--- a/ppt 16-9/1052.凯歌.pptx
+++ b/ppt 16-9/1052.凯歌.pptx
@@ -5,7 +5,7 @@
     <p:sldMasterId id="2147483648" r:id="rId1"/>
   </p:sldMasterIdLst>
   <p:sldIdLst>
-    <p:sldId id="490" r:id="rId2"/>
+    <p:sldId id="492" r:id="rId2"/>
   </p:sldIdLst>
   <p:sldSz cx="12192000" cy="6858000"/>
   <p:notesSz cx="6858000" cy="9144000"/>
@@ -129,7 +129,7 @@
           <p:cNvPr id="2" name="标题 1">
             <a:extLst>
               <a:ext uri="{FF2B5EF4-FFF2-40B4-BE49-F238E27FC236}">
-                <a16:creationId xmlns:a16="http://schemas.microsoft.com/office/drawing/2014/main" id="{5343BD22-9596-7BE4-62AD-2C79E6612FB2}"/>
+                <a16:creationId xmlns:a16="http://schemas.microsoft.com/office/drawing/2014/main" id="{791A3214-F86F-74E0-575C-61A36BEE1021}"/>
               </a:ext>
             </a:extLst>
           </p:cNvPr>
@@ -166,7 +166,7 @@
           <p:cNvPr id="3" name="副标题 2">
             <a:extLst>
               <a:ext uri="{FF2B5EF4-FFF2-40B4-BE49-F238E27FC236}">
-                <a16:creationId xmlns:a16="http://schemas.microsoft.com/office/drawing/2014/main" id="{E47DC6AB-6F4D-B7EE-E271-F9F0CE7CAC17}"/>
+                <a16:creationId xmlns:a16="http://schemas.microsoft.com/office/drawing/2014/main" id="{44FD8306-5AAA-A3A0-558C-46744A1BE9E0}"/>
               </a:ext>
             </a:extLst>
           </p:cNvPr>
@@ -236,7 +236,7 @@
           <p:cNvPr id="4" name="日期占位符 3">
             <a:extLst>
               <a:ext uri="{FF2B5EF4-FFF2-40B4-BE49-F238E27FC236}">
-                <a16:creationId xmlns:a16="http://schemas.microsoft.com/office/drawing/2014/main" id="{24687F57-D969-3EF7-71D2-946B83620219}"/>
+                <a16:creationId xmlns:a16="http://schemas.microsoft.com/office/drawing/2014/main" id="{0F9C7FC0-BED9-B05B-E3CE-CE1B5931C9A5}"/>
               </a:ext>
             </a:extLst>
           </p:cNvPr>
@@ -252,7 +252,7 @@
           <a:bodyPr/>
           <a:lstStyle/>
           <a:p>
-            <a:fld id="{47C2772D-4361-4837-859A-ECB6E5BCA282}" type="datetimeFigureOut">
+            <a:fld id="{BCD6940A-A0E8-4DB9-A00E-AFDDF31F3A1F}" type="datetimeFigureOut">
               <a:rPr lang="zh-CN" altLang="en-US" smtClean="0"/>
               <a:t>2024/3/10</a:t>
             </a:fld>
@@ -265,7 +265,7 @@
           <p:cNvPr id="5" name="页脚占位符 4">
             <a:extLst>
               <a:ext uri="{FF2B5EF4-FFF2-40B4-BE49-F238E27FC236}">
-                <a16:creationId xmlns:a16="http://schemas.microsoft.com/office/drawing/2014/main" id="{9D5FA600-22F0-F583-75D2-128C21C1F20F}"/>
+                <a16:creationId xmlns:a16="http://schemas.microsoft.com/office/drawing/2014/main" id="{7BED7C41-93C9-0F8B-E912-A523C4C6BB6D}"/>
               </a:ext>
             </a:extLst>
           </p:cNvPr>
@@ -290,7 +290,7 @@
           <p:cNvPr id="6" name="灯片编号占位符 5">
             <a:extLst>
               <a:ext uri="{FF2B5EF4-FFF2-40B4-BE49-F238E27FC236}">
-                <a16:creationId xmlns:a16="http://schemas.microsoft.com/office/drawing/2014/main" id="{8D5BD506-D72A-BD4B-9C0C-EB584C989233}"/>
+                <a16:creationId xmlns:a16="http://schemas.microsoft.com/office/drawing/2014/main" id="{5FA3575B-0139-BB9F-E363-511CE15ADF82}"/>
               </a:ext>
             </a:extLst>
           </p:cNvPr>
@@ -306,7 +306,7 @@
           <a:bodyPr/>
           <a:lstStyle/>
           <a:p>
-            <a:fld id="{D03319E2-33EC-4D16-B0B3-4B58CFC3F638}" type="slidenum">
+            <a:fld id="{EB43083E-5A82-47E4-B739-C1E3282FA386}" type="slidenum">
               <a:rPr lang="zh-CN" altLang="en-US" smtClean="0"/>
               <a:t>‹#›</a:t>
             </a:fld>
@@ -317,7 +317,7 @@
     </p:spTree>
     <p:extLst>
       <p:ext uri="{BB962C8B-B14F-4D97-AF65-F5344CB8AC3E}">
-        <p14:creationId xmlns:p14="http://schemas.microsoft.com/office/powerpoint/2010/main" val="1475547237"/>
+        <p14:creationId xmlns:p14="http://schemas.microsoft.com/office/powerpoint/2010/main" val="2361973008"/>
       </p:ext>
     </p:extLst>
   </p:cSld>
@@ -349,7 +349,7 @@
           <p:cNvPr id="2" name="标题 1">
             <a:extLst>
               <a:ext uri="{FF2B5EF4-FFF2-40B4-BE49-F238E27FC236}">
-                <a16:creationId xmlns:a16="http://schemas.microsoft.com/office/drawing/2014/main" id="{79BA210F-F446-9737-F5D4-4A4703DB0F78}"/>
+                <a16:creationId xmlns:a16="http://schemas.microsoft.com/office/drawing/2014/main" id="{DF0563B1-ABD7-2DDA-A2B2-FFD8D6D02050}"/>
               </a:ext>
             </a:extLst>
           </p:cNvPr>
@@ -377,7 +377,7 @@
           <p:cNvPr id="3" name="竖排文字占位符 2">
             <a:extLst>
               <a:ext uri="{FF2B5EF4-FFF2-40B4-BE49-F238E27FC236}">
-                <a16:creationId xmlns:a16="http://schemas.microsoft.com/office/drawing/2014/main" id="{13581133-BE02-738D-4434-8489245E8BFE}"/>
+                <a16:creationId xmlns:a16="http://schemas.microsoft.com/office/drawing/2014/main" id="{86262EAB-4410-58E1-42BC-D56D89093954}"/>
               </a:ext>
             </a:extLst>
           </p:cNvPr>
@@ -434,7 +434,7 @@
           <p:cNvPr id="4" name="日期占位符 3">
             <a:extLst>
               <a:ext uri="{FF2B5EF4-FFF2-40B4-BE49-F238E27FC236}">
-                <a16:creationId xmlns:a16="http://schemas.microsoft.com/office/drawing/2014/main" id="{C3658DC0-0CDF-D1FE-A616-1528D4357ACC}"/>
+                <a16:creationId xmlns:a16="http://schemas.microsoft.com/office/drawing/2014/main" id="{536687B1-8B00-EF44-E0E9-84EC3867B5B5}"/>
               </a:ext>
             </a:extLst>
           </p:cNvPr>
@@ -450,7 +450,7 @@
           <a:bodyPr/>
           <a:lstStyle/>
           <a:p>
-            <a:fld id="{47C2772D-4361-4837-859A-ECB6E5BCA282}" type="datetimeFigureOut">
+            <a:fld id="{BCD6940A-A0E8-4DB9-A00E-AFDDF31F3A1F}" type="datetimeFigureOut">
               <a:rPr lang="zh-CN" altLang="en-US" smtClean="0"/>
               <a:t>2024/3/10</a:t>
             </a:fld>
@@ -463,7 +463,7 @@
           <p:cNvPr id="5" name="页脚占位符 4">
             <a:extLst>
               <a:ext uri="{FF2B5EF4-FFF2-40B4-BE49-F238E27FC236}">
-                <a16:creationId xmlns:a16="http://schemas.microsoft.com/office/drawing/2014/main" id="{0DB37CED-D5FF-492E-398B-DE8B7AECE21E}"/>
+                <a16:creationId xmlns:a16="http://schemas.microsoft.com/office/drawing/2014/main" id="{EA9F9050-2142-F5C6-E906-B1451AFC3B54}"/>
               </a:ext>
             </a:extLst>
           </p:cNvPr>
@@ -488,7 +488,7 @@
           <p:cNvPr id="6" name="灯片编号占位符 5">
             <a:extLst>
               <a:ext uri="{FF2B5EF4-FFF2-40B4-BE49-F238E27FC236}">
-                <a16:creationId xmlns:a16="http://schemas.microsoft.com/office/drawing/2014/main" id="{8FE1AE08-20E6-16A6-ECD8-D378947C3BB7}"/>
+                <a16:creationId xmlns:a16="http://schemas.microsoft.com/office/drawing/2014/main" id="{FBED63D2-FD88-B753-BB01-A8C3EAB2B38C}"/>
               </a:ext>
             </a:extLst>
           </p:cNvPr>
@@ -504,7 +504,7 @@
           <a:bodyPr/>
           <a:lstStyle/>
           <a:p>
-            <a:fld id="{D03319E2-33EC-4D16-B0B3-4B58CFC3F638}" type="slidenum">
+            <a:fld id="{EB43083E-5A82-47E4-B739-C1E3282FA386}" type="slidenum">
               <a:rPr lang="zh-CN" altLang="en-US" smtClean="0"/>
               <a:t>‹#›</a:t>
             </a:fld>
@@ -515,7 +515,7 @@
     </p:spTree>
     <p:extLst>
       <p:ext uri="{BB962C8B-B14F-4D97-AF65-F5344CB8AC3E}">
-        <p14:creationId xmlns:p14="http://schemas.microsoft.com/office/powerpoint/2010/main" val="3372218611"/>
+        <p14:creationId xmlns:p14="http://schemas.microsoft.com/office/powerpoint/2010/main" val="155465886"/>
       </p:ext>
     </p:extLst>
   </p:cSld>
@@ -547,7 +547,7 @@
           <p:cNvPr id="2" name="竖排标题 1">
             <a:extLst>
               <a:ext uri="{FF2B5EF4-FFF2-40B4-BE49-F238E27FC236}">
-                <a16:creationId xmlns:a16="http://schemas.microsoft.com/office/drawing/2014/main" id="{D983E8C3-BC00-0581-1D2D-F3237E7C43AF}"/>
+                <a16:creationId xmlns:a16="http://schemas.microsoft.com/office/drawing/2014/main" id="{E3493B01-0E18-DB4F-8B75-FA32FF09BF30}"/>
               </a:ext>
             </a:extLst>
           </p:cNvPr>
@@ -580,7 +580,7 @@
           <p:cNvPr id="3" name="竖排文字占位符 2">
             <a:extLst>
               <a:ext uri="{FF2B5EF4-FFF2-40B4-BE49-F238E27FC236}">
-                <a16:creationId xmlns:a16="http://schemas.microsoft.com/office/drawing/2014/main" id="{6C260BB5-C449-CAA7-E4E8-0863BD03E8B3}"/>
+                <a16:creationId xmlns:a16="http://schemas.microsoft.com/office/drawing/2014/main" id="{16D08E54-CF39-61B0-E8B4-4F57D30000F7}"/>
               </a:ext>
             </a:extLst>
           </p:cNvPr>
@@ -642,7 +642,7 @@
           <p:cNvPr id="4" name="日期占位符 3">
             <a:extLst>
               <a:ext uri="{FF2B5EF4-FFF2-40B4-BE49-F238E27FC236}">
-                <a16:creationId xmlns:a16="http://schemas.microsoft.com/office/drawing/2014/main" id="{CDFA97A7-91EF-A9CC-3CD0-527C0152D89E}"/>
+                <a16:creationId xmlns:a16="http://schemas.microsoft.com/office/drawing/2014/main" id="{76F871FE-6D4C-A1BE-4766-A58F759FE9D0}"/>
               </a:ext>
             </a:extLst>
           </p:cNvPr>
@@ -658,7 +658,7 @@
           <a:bodyPr/>
           <a:lstStyle/>
           <a:p>
-            <a:fld id="{47C2772D-4361-4837-859A-ECB6E5BCA282}" type="datetimeFigureOut">
+            <a:fld id="{BCD6940A-A0E8-4DB9-A00E-AFDDF31F3A1F}" type="datetimeFigureOut">
               <a:rPr lang="zh-CN" altLang="en-US" smtClean="0"/>
               <a:t>2024/3/10</a:t>
             </a:fld>
@@ -671,7 +671,7 @@
           <p:cNvPr id="5" name="页脚占位符 4">
             <a:extLst>
               <a:ext uri="{FF2B5EF4-FFF2-40B4-BE49-F238E27FC236}">
-                <a16:creationId xmlns:a16="http://schemas.microsoft.com/office/drawing/2014/main" id="{EB3EE414-A497-87C2-4203-FB350832A79F}"/>
+                <a16:creationId xmlns:a16="http://schemas.microsoft.com/office/drawing/2014/main" id="{1C711ABD-E8B8-8CD9-C1B7-23A2BA3A8065}"/>
               </a:ext>
             </a:extLst>
           </p:cNvPr>
@@ -696,7 +696,7 @@
           <p:cNvPr id="6" name="灯片编号占位符 5">
             <a:extLst>
               <a:ext uri="{FF2B5EF4-FFF2-40B4-BE49-F238E27FC236}">
-                <a16:creationId xmlns:a16="http://schemas.microsoft.com/office/drawing/2014/main" id="{AB77B976-713A-4CB0-5638-3EE4C0B5E244}"/>
+                <a16:creationId xmlns:a16="http://schemas.microsoft.com/office/drawing/2014/main" id="{5F9A3EF5-FDE7-3384-DD51-7832877C06BE}"/>
               </a:ext>
             </a:extLst>
           </p:cNvPr>
@@ -712,7 +712,7 @@
           <a:bodyPr/>
           <a:lstStyle/>
           <a:p>
-            <a:fld id="{D03319E2-33EC-4D16-B0B3-4B58CFC3F638}" type="slidenum">
+            <a:fld id="{EB43083E-5A82-47E4-B739-C1E3282FA386}" type="slidenum">
               <a:rPr lang="zh-CN" altLang="en-US" smtClean="0"/>
               <a:t>‹#›</a:t>
             </a:fld>
@@ -723,7 +723,7 @@
     </p:spTree>
     <p:extLst>
       <p:ext uri="{BB962C8B-B14F-4D97-AF65-F5344CB8AC3E}">
-        <p14:creationId xmlns:p14="http://schemas.microsoft.com/office/powerpoint/2010/main" val="862138145"/>
+        <p14:creationId xmlns:p14="http://schemas.microsoft.com/office/powerpoint/2010/main" val="3323306934"/>
       </p:ext>
     </p:extLst>
   </p:cSld>
@@ -755,7 +755,7 @@
           <p:cNvPr id="2" name="标题 1">
             <a:extLst>
               <a:ext uri="{FF2B5EF4-FFF2-40B4-BE49-F238E27FC236}">
-                <a16:creationId xmlns:a16="http://schemas.microsoft.com/office/drawing/2014/main" id="{BC6E5894-AA18-FD07-6456-04FC66061EFA}"/>
+                <a16:creationId xmlns:a16="http://schemas.microsoft.com/office/drawing/2014/main" id="{2D545980-6A57-2274-DCFF-2901F1399B24}"/>
               </a:ext>
             </a:extLst>
           </p:cNvPr>
@@ -783,7 +783,7 @@
           <p:cNvPr id="3" name="内容占位符 2">
             <a:extLst>
               <a:ext uri="{FF2B5EF4-FFF2-40B4-BE49-F238E27FC236}">
-                <a16:creationId xmlns:a16="http://schemas.microsoft.com/office/drawing/2014/main" id="{7F5D0360-644B-B8DD-2842-E778AC9076DA}"/>
+                <a16:creationId xmlns:a16="http://schemas.microsoft.com/office/drawing/2014/main" id="{B1F12FB8-76C5-695C-2F62-43066EEFAA60}"/>
               </a:ext>
             </a:extLst>
           </p:cNvPr>
@@ -840,7 +840,7 @@
           <p:cNvPr id="4" name="日期占位符 3">
             <a:extLst>
               <a:ext uri="{FF2B5EF4-FFF2-40B4-BE49-F238E27FC236}">
-                <a16:creationId xmlns:a16="http://schemas.microsoft.com/office/drawing/2014/main" id="{9D112F59-3AD3-DD11-FF4D-D52EAF24A346}"/>
+                <a16:creationId xmlns:a16="http://schemas.microsoft.com/office/drawing/2014/main" id="{A0211124-EE64-320E-A8D4-A333A95D6704}"/>
               </a:ext>
             </a:extLst>
           </p:cNvPr>
@@ -856,7 +856,7 @@
           <a:bodyPr/>
           <a:lstStyle/>
           <a:p>
-            <a:fld id="{47C2772D-4361-4837-859A-ECB6E5BCA282}" type="datetimeFigureOut">
+            <a:fld id="{BCD6940A-A0E8-4DB9-A00E-AFDDF31F3A1F}" type="datetimeFigureOut">
               <a:rPr lang="zh-CN" altLang="en-US" smtClean="0"/>
               <a:t>2024/3/10</a:t>
             </a:fld>
@@ -869,7 +869,7 @@
           <p:cNvPr id="5" name="页脚占位符 4">
             <a:extLst>
               <a:ext uri="{FF2B5EF4-FFF2-40B4-BE49-F238E27FC236}">
-                <a16:creationId xmlns:a16="http://schemas.microsoft.com/office/drawing/2014/main" id="{A56D18CA-E0DC-8F53-663A-EB3103BC3AB4}"/>
+                <a16:creationId xmlns:a16="http://schemas.microsoft.com/office/drawing/2014/main" id="{808ED5EA-B5B5-4B12-D520-CAA789A9E8B2}"/>
               </a:ext>
             </a:extLst>
           </p:cNvPr>
@@ -894,7 +894,7 @@
           <p:cNvPr id="6" name="灯片编号占位符 5">
             <a:extLst>
               <a:ext uri="{FF2B5EF4-FFF2-40B4-BE49-F238E27FC236}">
-                <a16:creationId xmlns:a16="http://schemas.microsoft.com/office/drawing/2014/main" id="{A46CCAA9-9950-2CF6-CFF0-8FE912EC402B}"/>
+                <a16:creationId xmlns:a16="http://schemas.microsoft.com/office/drawing/2014/main" id="{95E37152-E0C3-424D-8B83-50B002CFAC14}"/>
               </a:ext>
             </a:extLst>
           </p:cNvPr>
@@ -910,7 +910,7 @@
           <a:bodyPr/>
           <a:lstStyle/>
           <a:p>
-            <a:fld id="{D03319E2-33EC-4D16-B0B3-4B58CFC3F638}" type="slidenum">
+            <a:fld id="{EB43083E-5A82-47E4-B739-C1E3282FA386}" type="slidenum">
               <a:rPr lang="zh-CN" altLang="en-US" smtClean="0"/>
               <a:t>‹#›</a:t>
             </a:fld>
@@ -921,7 +921,7 @@
     </p:spTree>
     <p:extLst>
       <p:ext uri="{BB962C8B-B14F-4D97-AF65-F5344CB8AC3E}">
-        <p14:creationId xmlns:p14="http://schemas.microsoft.com/office/powerpoint/2010/main" val="2336972124"/>
+        <p14:creationId xmlns:p14="http://schemas.microsoft.com/office/powerpoint/2010/main" val="2400766258"/>
       </p:ext>
     </p:extLst>
   </p:cSld>
@@ -953,7 +953,7 @@
           <p:cNvPr id="2" name="标题 1">
             <a:extLst>
               <a:ext uri="{FF2B5EF4-FFF2-40B4-BE49-F238E27FC236}">
-                <a16:creationId xmlns:a16="http://schemas.microsoft.com/office/drawing/2014/main" id="{171444C3-BCE8-5B29-FF12-AE0B94025D65}"/>
+                <a16:creationId xmlns:a16="http://schemas.microsoft.com/office/drawing/2014/main" id="{072E3636-22BA-14E6-98F4-2501F9A36C00}"/>
               </a:ext>
             </a:extLst>
           </p:cNvPr>
@@ -990,7 +990,7 @@
           <p:cNvPr id="3" name="文本占位符 2">
             <a:extLst>
               <a:ext uri="{FF2B5EF4-FFF2-40B4-BE49-F238E27FC236}">
-                <a16:creationId xmlns:a16="http://schemas.microsoft.com/office/drawing/2014/main" id="{26C19E6F-0B00-40B4-DA41-5989A051C338}"/>
+                <a16:creationId xmlns:a16="http://schemas.microsoft.com/office/drawing/2014/main" id="{B966F105-4CF3-69A5-6E39-0591F22429A2}"/>
               </a:ext>
             </a:extLst>
           </p:cNvPr>
@@ -1115,7 +1115,7 @@
           <p:cNvPr id="4" name="日期占位符 3">
             <a:extLst>
               <a:ext uri="{FF2B5EF4-FFF2-40B4-BE49-F238E27FC236}">
-                <a16:creationId xmlns:a16="http://schemas.microsoft.com/office/drawing/2014/main" id="{51A2D71A-6CEC-B074-8C04-1FDA7C8CAF1C}"/>
+                <a16:creationId xmlns:a16="http://schemas.microsoft.com/office/drawing/2014/main" id="{F4C2CDCC-C8C4-E916-CF1A-5B586417F259}"/>
               </a:ext>
             </a:extLst>
           </p:cNvPr>
@@ -1131,7 +1131,7 @@
           <a:bodyPr/>
           <a:lstStyle/>
           <a:p>
-            <a:fld id="{47C2772D-4361-4837-859A-ECB6E5BCA282}" type="datetimeFigureOut">
+            <a:fld id="{BCD6940A-A0E8-4DB9-A00E-AFDDF31F3A1F}" type="datetimeFigureOut">
               <a:rPr lang="zh-CN" altLang="en-US" smtClean="0"/>
               <a:t>2024/3/10</a:t>
             </a:fld>
@@ -1144,7 +1144,7 @@
           <p:cNvPr id="5" name="页脚占位符 4">
             <a:extLst>
               <a:ext uri="{FF2B5EF4-FFF2-40B4-BE49-F238E27FC236}">
-                <a16:creationId xmlns:a16="http://schemas.microsoft.com/office/drawing/2014/main" id="{C90917C7-F567-0B00-148B-C22A49A9237F}"/>
+                <a16:creationId xmlns:a16="http://schemas.microsoft.com/office/drawing/2014/main" id="{9517271B-1817-A04A-38EA-C7B30DBE011B}"/>
               </a:ext>
             </a:extLst>
           </p:cNvPr>
@@ -1169,7 +1169,7 @@
           <p:cNvPr id="6" name="灯片编号占位符 5">
             <a:extLst>
               <a:ext uri="{FF2B5EF4-FFF2-40B4-BE49-F238E27FC236}">
-                <a16:creationId xmlns:a16="http://schemas.microsoft.com/office/drawing/2014/main" id="{1C713695-ECCA-DEDD-A8B9-1508BF2783FD}"/>
+                <a16:creationId xmlns:a16="http://schemas.microsoft.com/office/drawing/2014/main" id="{E26B87B2-53F9-3E1C-BFC7-F74178545695}"/>
               </a:ext>
             </a:extLst>
           </p:cNvPr>
@@ -1185,7 +1185,7 @@
           <a:bodyPr/>
           <a:lstStyle/>
           <a:p>
-            <a:fld id="{D03319E2-33EC-4D16-B0B3-4B58CFC3F638}" type="slidenum">
+            <a:fld id="{EB43083E-5A82-47E4-B739-C1E3282FA386}" type="slidenum">
               <a:rPr lang="zh-CN" altLang="en-US" smtClean="0"/>
               <a:t>‹#›</a:t>
             </a:fld>
@@ -1196,7 +1196,7 @@
     </p:spTree>
     <p:extLst>
       <p:ext uri="{BB962C8B-B14F-4D97-AF65-F5344CB8AC3E}">
-        <p14:creationId xmlns:p14="http://schemas.microsoft.com/office/powerpoint/2010/main" val="3756948255"/>
+        <p14:creationId xmlns:p14="http://schemas.microsoft.com/office/powerpoint/2010/main" val="1594243347"/>
       </p:ext>
     </p:extLst>
   </p:cSld>
@@ -1228,7 +1228,7 @@
           <p:cNvPr id="2" name="标题 1">
             <a:extLst>
               <a:ext uri="{FF2B5EF4-FFF2-40B4-BE49-F238E27FC236}">
-                <a16:creationId xmlns:a16="http://schemas.microsoft.com/office/drawing/2014/main" id="{A4A88443-9991-B82F-EA03-58F26B499DD4}"/>
+                <a16:creationId xmlns:a16="http://schemas.microsoft.com/office/drawing/2014/main" id="{BEC0E7C9-46E7-DA22-7F73-B40FE9E8DD8C}"/>
               </a:ext>
             </a:extLst>
           </p:cNvPr>
@@ -1256,7 +1256,7 @@
           <p:cNvPr id="3" name="内容占位符 2">
             <a:extLst>
               <a:ext uri="{FF2B5EF4-FFF2-40B4-BE49-F238E27FC236}">
-                <a16:creationId xmlns:a16="http://schemas.microsoft.com/office/drawing/2014/main" id="{FE9CACB0-BBE3-E5C8-09BC-625646124EDA}"/>
+                <a16:creationId xmlns:a16="http://schemas.microsoft.com/office/drawing/2014/main" id="{0339B9E3-2092-D830-F9C6-B05194320F56}"/>
               </a:ext>
             </a:extLst>
           </p:cNvPr>
@@ -1318,7 +1318,7 @@
           <p:cNvPr id="4" name="内容占位符 3">
             <a:extLst>
               <a:ext uri="{FF2B5EF4-FFF2-40B4-BE49-F238E27FC236}">
-                <a16:creationId xmlns:a16="http://schemas.microsoft.com/office/drawing/2014/main" id="{EB42A595-7013-ADDE-8B34-B76F6C9C0FDB}"/>
+                <a16:creationId xmlns:a16="http://schemas.microsoft.com/office/drawing/2014/main" id="{7A003D0F-4656-798C-83E0-D26D5E0BB6AC}"/>
               </a:ext>
             </a:extLst>
           </p:cNvPr>
@@ -1380,7 +1380,7 @@
           <p:cNvPr id="5" name="日期占位符 4">
             <a:extLst>
               <a:ext uri="{FF2B5EF4-FFF2-40B4-BE49-F238E27FC236}">
-                <a16:creationId xmlns:a16="http://schemas.microsoft.com/office/drawing/2014/main" id="{BF608B62-D17A-993F-FF57-2CDA7A4CED5D}"/>
+                <a16:creationId xmlns:a16="http://schemas.microsoft.com/office/drawing/2014/main" id="{8A3EE337-7104-94C8-99F5-CAA49EF6911D}"/>
               </a:ext>
             </a:extLst>
           </p:cNvPr>
@@ -1396,7 +1396,7 @@
           <a:bodyPr/>
           <a:lstStyle/>
           <a:p>
-            <a:fld id="{47C2772D-4361-4837-859A-ECB6E5BCA282}" type="datetimeFigureOut">
+            <a:fld id="{BCD6940A-A0E8-4DB9-A00E-AFDDF31F3A1F}" type="datetimeFigureOut">
               <a:rPr lang="zh-CN" altLang="en-US" smtClean="0"/>
               <a:t>2024/3/10</a:t>
             </a:fld>
@@ -1409,7 +1409,7 @@
           <p:cNvPr id="6" name="页脚占位符 5">
             <a:extLst>
               <a:ext uri="{FF2B5EF4-FFF2-40B4-BE49-F238E27FC236}">
-                <a16:creationId xmlns:a16="http://schemas.microsoft.com/office/drawing/2014/main" id="{2B6327FF-44E3-8D13-A0DF-51BED9793FDD}"/>
+                <a16:creationId xmlns:a16="http://schemas.microsoft.com/office/drawing/2014/main" id="{B80F6B72-0445-02E5-FF6E-12BA9683759A}"/>
               </a:ext>
             </a:extLst>
           </p:cNvPr>
@@ -1434,7 +1434,7 @@
           <p:cNvPr id="7" name="灯片编号占位符 6">
             <a:extLst>
               <a:ext uri="{FF2B5EF4-FFF2-40B4-BE49-F238E27FC236}">
-                <a16:creationId xmlns:a16="http://schemas.microsoft.com/office/drawing/2014/main" id="{B24F7DD9-BDE9-12F1-6533-7538BCA0C056}"/>
+                <a16:creationId xmlns:a16="http://schemas.microsoft.com/office/drawing/2014/main" id="{F4D9761C-2768-DEEF-7955-E737984F9F72}"/>
               </a:ext>
             </a:extLst>
           </p:cNvPr>
@@ -1450,7 +1450,7 @@
           <a:bodyPr/>
           <a:lstStyle/>
           <a:p>
-            <a:fld id="{D03319E2-33EC-4D16-B0B3-4B58CFC3F638}" type="slidenum">
+            <a:fld id="{EB43083E-5A82-47E4-B739-C1E3282FA386}" type="slidenum">
               <a:rPr lang="zh-CN" altLang="en-US" smtClean="0"/>
               <a:t>‹#›</a:t>
             </a:fld>
@@ -1461,7 +1461,7 @@
     </p:spTree>
     <p:extLst>
       <p:ext uri="{BB962C8B-B14F-4D97-AF65-F5344CB8AC3E}">
-        <p14:creationId xmlns:p14="http://schemas.microsoft.com/office/powerpoint/2010/main" val="2067028647"/>
+        <p14:creationId xmlns:p14="http://schemas.microsoft.com/office/powerpoint/2010/main" val="2087652255"/>
       </p:ext>
     </p:extLst>
   </p:cSld>
@@ -1493,7 +1493,7 @@
           <p:cNvPr id="2" name="标题 1">
             <a:extLst>
               <a:ext uri="{FF2B5EF4-FFF2-40B4-BE49-F238E27FC236}">
-                <a16:creationId xmlns:a16="http://schemas.microsoft.com/office/drawing/2014/main" id="{88B32BE9-3CB2-BF1B-F5B8-4B5676F983DB}"/>
+                <a16:creationId xmlns:a16="http://schemas.microsoft.com/office/drawing/2014/main" id="{54F60C3B-304E-0EDD-0011-3509D9DD56EA}"/>
               </a:ext>
             </a:extLst>
           </p:cNvPr>
@@ -1526,7 +1526,7 @@
           <p:cNvPr id="3" name="文本占位符 2">
             <a:extLst>
               <a:ext uri="{FF2B5EF4-FFF2-40B4-BE49-F238E27FC236}">
-                <a16:creationId xmlns:a16="http://schemas.microsoft.com/office/drawing/2014/main" id="{34033CFC-DC25-AB72-21FB-45E193CAA6A3}"/>
+                <a16:creationId xmlns:a16="http://schemas.microsoft.com/office/drawing/2014/main" id="{D13E2B12-F878-9B6B-9F63-4FA8F74F968A}"/>
               </a:ext>
             </a:extLst>
           </p:cNvPr>
@@ -1597,7 +1597,7 @@
           <p:cNvPr id="4" name="内容占位符 3">
             <a:extLst>
               <a:ext uri="{FF2B5EF4-FFF2-40B4-BE49-F238E27FC236}">
-                <a16:creationId xmlns:a16="http://schemas.microsoft.com/office/drawing/2014/main" id="{81DBAC75-325A-78D9-0D79-838762CED3A3}"/>
+                <a16:creationId xmlns:a16="http://schemas.microsoft.com/office/drawing/2014/main" id="{3F2272FF-B0B9-4FD9-575F-6CBA1F557D51}"/>
               </a:ext>
             </a:extLst>
           </p:cNvPr>
@@ -1659,7 +1659,7 @@
           <p:cNvPr id="5" name="文本占位符 4">
             <a:extLst>
               <a:ext uri="{FF2B5EF4-FFF2-40B4-BE49-F238E27FC236}">
-                <a16:creationId xmlns:a16="http://schemas.microsoft.com/office/drawing/2014/main" id="{71618020-FD50-FCD5-3F3B-B39B97CB3796}"/>
+                <a16:creationId xmlns:a16="http://schemas.microsoft.com/office/drawing/2014/main" id="{B25F236D-7B33-A801-D35D-534BEB621153}"/>
               </a:ext>
             </a:extLst>
           </p:cNvPr>
@@ -1730,7 +1730,7 @@
           <p:cNvPr id="6" name="内容占位符 5">
             <a:extLst>
               <a:ext uri="{FF2B5EF4-FFF2-40B4-BE49-F238E27FC236}">
-                <a16:creationId xmlns:a16="http://schemas.microsoft.com/office/drawing/2014/main" id="{27A17CB3-D738-F41D-86B2-8AB4596457C8}"/>
+                <a16:creationId xmlns:a16="http://schemas.microsoft.com/office/drawing/2014/main" id="{C18C8988-EA9B-CF1A-FFCA-15501C629E9D}"/>
               </a:ext>
             </a:extLst>
           </p:cNvPr>
@@ -1792,7 +1792,7 @@
           <p:cNvPr id="7" name="日期占位符 6">
             <a:extLst>
               <a:ext uri="{FF2B5EF4-FFF2-40B4-BE49-F238E27FC236}">
-                <a16:creationId xmlns:a16="http://schemas.microsoft.com/office/drawing/2014/main" id="{0AAA9C18-6B59-C0DB-9ADB-D6667BEC8D22}"/>
+                <a16:creationId xmlns:a16="http://schemas.microsoft.com/office/drawing/2014/main" id="{94919F68-A9F4-20FE-1EC6-9F424AF43FDF}"/>
               </a:ext>
             </a:extLst>
           </p:cNvPr>
@@ -1808,7 +1808,7 @@
           <a:bodyPr/>
           <a:lstStyle/>
           <a:p>
-            <a:fld id="{47C2772D-4361-4837-859A-ECB6E5BCA282}" type="datetimeFigureOut">
+            <a:fld id="{BCD6940A-A0E8-4DB9-A00E-AFDDF31F3A1F}" type="datetimeFigureOut">
               <a:rPr lang="zh-CN" altLang="en-US" smtClean="0"/>
               <a:t>2024/3/10</a:t>
             </a:fld>
@@ -1821,7 +1821,7 @@
           <p:cNvPr id="8" name="页脚占位符 7">
             <a:extLst>
               <a:ext uri="{FF2B5EF4-FFF2-40B4-BE49-F238E27FC236}">
-                <a16:creationId xmlns:a16="http://schemas.microsoft.com/office/drawing/2014/main" id="{175F206F-DEAF-CEA3-ACF8-828B83752407}"/>
+                <a16:creationId xmlns:a16="http://schemas.microsoft.com/office/drawing/2014/main" id="{A4D56841-B4EF-5E6E-CAD2-246A6CF1DB54}"/>
               </a:ext>
             </a:extLst>
           </p:cNvPr>
@@ -1846,7 +1846,7 @@
           <p:cNvPr id="9" name="灯片编号占位符 8">
             <a:extLst>
               <a:ext uri="{FF2B5EF4-FFF2-40B4-BE49-F238E27FC236}">
-                <a16:creationId xmlns:a16="http://schemas.microsoft.com/office/drawing/2014/main" id="{D73A019F-059F-7BB6-D029-D9717FD9D15F}"/>
+                <a16:creationId xmlns:a16="http://schemas.microsoft.com/office/drawing/2014/main" id="{3544EA6C-2AF2-E2EF-CEFF-0EBE589D1D30}"/>
               </a:ext>
             </a:extLst>
           </p:cNvPr>
@@ -1862,7 +1862,7 @@
           <a:bodyPr/>
           <a:lstStyle/>
           <a:p>
-            <a:fld id="{D03319E2-33EC-4D16-B0B3-4B58CFC3F638}" type="slidenum">
+            <a:fld id="{EB43083E-5A82-47E4-B739-C1E3282FA386}" type="slidenum">
               <a:rPr lang="zh-CN" altLang="en-US" smtClean="0"/>
               <a:t>‹#›</a:t>
             </a:fld>
@@ -1873,7 +1873,7 @@
     </p:spTree>
     <p:extLst>
       <p:ext uri="{BB962C8B-B14F-4D97-AF65-F5344CB8AC3E}">
-        <p14:creationId xmlns:p14="http://schemas.microsoft.com/office/powerpoint/2010/main" val="4001624280"/>
+        <p14:creationId xmlns:p14="http://schemas.microsoft.com/office/powerpoint/2010/main" val="1408368613"/>
       </p:ext>
     </p:extLst>
   </p:cSld>
@@ -1905,7 +1905,7 @@
           <p:cNvPr id="2" name="标题 1">
             <a:extLst>
               <a:ext uri="{FF2B5EF4-FFF2-40B4-BE49-F238E27FC236}">
-                <a16:creationId xmlns:a16="http://schemas.microsoft.com/office/drawing/2014/main" id="{9384DB30-1C97-C3AD-FD31-0734800BE942}"/>
+                <a16:creationId xmlns:a16="http://schemas.microsoft.com/office/drawing/2014/main" id="{9C5B1CEA-9FFE-E460-07FF-855ABA5402B9}"/>
               </a:ext>
             </a:extLst>
           </p:cNvPr>
@@ -1933,7 +1933,7 @@
           <p:cNvPr id="3" name="日期占位符 2">
             <a:extLst>
               <a:ext uri="{FF2B5EF4-FFF2-40B4-BE49-F238E27FC236}">
-                <a16:creationId xmlns:a16="http://schemas.microsoft.com/office/drawing/2014/main" id="{C181FB77-EF2C-2404-5CAD-879A1547AA2C}"/>
+                <a16:creationId xmlns:a16="http://schemas.microsoft.com/office/drawing/2014/main" id="{BA11CCB8-3CAB-1D01-190D-7F5CE98C849A}"/>
               </a:ext>
             </a:extLst>
           </p:cNvPr>
@@ -1949,7 +1949,7 @@
           <a:bodyPr/>
           <a:lstStyle/>
           <a:p>
-            <a:fld id="{47C2772D-4361-4837-859A-ECB6E5BCA282}" type="datetimeFigureOut">
+            <a:fld id="{BCD6940A-A0E8-4DB9-A00E-AFDDF31F3A1F}" type="datetimeFigureOut">
               <a:rPr lang="zh-CN" altLang="en-US" smtClean="0"/>
               <a:t>2024/3/10</a:t>
             </a:fld>
@@ -1962,7 +1962,7 @@
           <p:cNvPr id="4" name="页脚占位符 3">
             <a:extLst>
               <a:ext uri="{FF2B5EF4-FFF2-40B4-BE49-F238E27FC236}">
-                <a16:creationId xmlns:a16="http://schemas.microsoft.com/office/drawing/2014/main" id="{A6A0C0BA-26D8-53D2-4127-44223CD2402A}"/>
+                <a16:creationId xmlns:a16="http://schemas.microsoft.com/office/drawing/2014/main" id="{C7E9370C-2563-6686-1123-96D1AE9EEF5E}"/>
               </a:ext>
             </a:extLst>
           </p:cNvPr>
@@ -1987,7 +1987,7 @@
           <p:cNvPr id="5" name="灯片编号占位符 4">
             <a:extLst>
               <a:ext uri="{FF2B5EF4-FFF2-40B4-BE49-F238E27FC236}">
-                <a16:creationId xmlns:a16="http://schemas.microsoft.com/office/drawing/2014/main" id="{2E5E4582-3D48-052A-633F-758CA54CA2EE}"/>
+                <a16:creationId xmlns:a16="http://schemas.microsoft.com/office/drawing/2014/main" id="{F0E9A231-C671-882D-EED4-AF81963CCF34}"/>
               </a:ext>
             </a:extLst>
           </p:cNvPr>
@@ -2003,7 +2003,7 @@
           <a:bodyPr/>
           <a:lstStyle/>
           <a:p>
-            <a:fld id="{D03319E2-33EC-4D16-B0B3-4B58CFC3F638}" type="slidenum">
+            <a:fld id="{EB43083E-5A82-47E4-B739-C1E3282FA386}" type="slidenum">
               <a:rPr lang="zh-CN" altLang="en-US" smtClean="0"/>
               <a:t>‹#›</a:t>
             </a:fld>
@@ -2014,7 +2014,7 @@
     </p:spTree>
     <p:extLst>
       <p:ext uri="{BB962C8B-B14F-4D97-AF65-F5344CB8AC3E}">
-        <p14:creationId xmlns:p14="http://schemas.microsoft.com/office/powerpoint/2010/main" val="4067024841"/>
+        <p14:creationId xmlns:p14="http://schemas.microsoft.com/office/powerpoint/2010/main" val="858291673"/>
       </p:ext>
     </p:extLst>
   </p:cSld>
@@ -2046,7 +2046,7 @@
           <p:cNvPr id="2" name="日期占位符 1">
             <a:extLst>
               <a:ext uri="{FF2B5EF4-FFF2-40B4-BE49-F238E27FC236}">
-                <a16:creationId xmlns:a16="http://schemas.microsoft.com/office/drawing/2014/main" id="{B3B669C4-FF39-95E6-158D-04A92A7CC7C6}"/>
+                <a16:creationId xmlns:a16="http://schemas.microsoft.com/office/drawing/2014/main" id="{329B97A8-6805-B868-C568-20D9C90E988D}"/>
               </a:ext>
             </a:extLst>
           </p:cNvPr>
@@ -2062,7 +2062,7 @@
           <a:bodyPr/>
           <a:lstStyle/>
           <a:p>
-            <a:fld id="{47C2772D-4361-4837-859A-ECB6E5BCA282}" type="datetimeFigureOut">
+            <a:fld id="{BCD6940A-A0E8-4DB9-A00E-AFDDF31F3A1F}" type="datetimeFigureOut">
               <a:rPr lang="zh-CN" altLang="en-US" smtClean="0"/>
               <a:t>2024/3/10</a:t>
             </a:fld>
@@ -2075,7 +2075,7 @@
           <p:cNvPr id="3" name="页脚占位符 2">
             <a:extLst>
               <a:ext uri="{FF2B5EF4-FFF2-40B4-BE49-F238E27FC236}">
-                <a16:creationId xmlns:a16="http://schemas.microsoft.com/office/drawing/2014/main" id="{49936365-7232-775A-C4C9-1FED7AE51BF9}"/>
+                <a16:creationId xmlns:a16="http://schemas.microsoft.com/office/drawing/2014/main" id="{78104FFD-4AD7-1EBC-B022-0E16F2266C23}"/>
               </a:ext>
             </a:extLst>
           </p:cNvPr>
@@ -2100,7 +2100,7 @@
           <p:cNvPr id="4" name="灯片编号占位符 3">
             <a:extLst>
               <a:ext uri="{FF2B5EF4-FFF2-40B4-BE49-F238E27FC236}">
-                <a16:creationId xmlns:a16="http://schemas.microsoft.com/office/drawing/2014/main" id="{AC9AA154-7A9F-07BD-8A7C-193075106E17}"/>
+                <a16:creationId xmlns:a16="http://schemas.microsoft.com/office/drawing/2014/main" id="{705899AF-334B-59E4-9532-62EAFB1D865C}"/>
               </a:ext>
             </a:extLst>
           </p:cNvPr>
@@ -2116,7 +2116,7 @@
           <a:bodyPr/>
           <a:lstStyle/>
           <a:p>
-            <a:fld id="{D03319E2-33EC-4D16-B0B3-4B58CFC3F638}" type="slidenum">
+            <a:fld id="{EB43083E-5A82-47E4-B739-C1E3282FA386}" type="slidenum">
               <a:rPr lang="zh-CN" altLang="en-US" smtClean="0"/>
               <a:t>‹#›</a:t>
             </a:fld>
@@ -2127,7 +2127,7 @@
     </p:spTree>
     <p:extLst>
       <p:ext uri="{BB962C8B-B14F-4D97-AF65-F5344CB8AC3E}">
-        <p14:creationId xmlns:p14="http://schemas.microsoft.com/office/powerpoint/2010/main" val="3640585213"/>
+        <p14:creationId xmlns:p14="http://schemas.microsoft.com/office/powerpoint/2010/main" val="110617898"/>
       </p:ext>
     </p:extLst>
   </p:cSld>
@@ -2159,7 +2159,7 @@
           <p:cNvPr id="2" name="标题 1">
             <a:extLst>
               <a:ext uri="{FF2B5EF4-FFF2-40B4-BE49-F238E27FC236}">
-                <a16:creationId xmlns:a16="http://schemas.microsoft.com/office/drawing/2014/main" id="{01140596-CB8B-8B27-5915-D988871362EB}"/>
+                <a16:creationId xmlns:a16="http://schemas.microsoft.com/office/drawing/2014/main" id="{78725887-9D7A-80E4-5138-46FBE805462D}"/>
               </a:ext>
             </a:extLst>
           </p:cNvPr>
@@ -2196,7 +2196,7 @@
           <p:cNvPr id="3" name="内容占位符 2">
             <a:extLst>
               <a:ext uri="{FF2B5EF4-FFF2-40B4-BE49-F238E27FC236}">
-                <a16:creationId xmlns:a16="http://schemas.microsoft.com/office/drawing/2014/main" id="{B04D1556-D315-B346-7A5F-3FA739260302}"/>
+                <a16:creationId xmlns:a16="http://schemas.microsoft.com/office/drawing/2014/main" id="{10360FD5-FDC6-8B08-56A4-F7BAF8C75384}"/>
               </a:ext>
             </a:extLst>
           </p:cNvPr>
@@ -2286,7 +2286,7 @@
           <p:cNvPr id="4" name="文本占位符 3">
             <a:extLst>
               <a:ext uri="{FF2B5EF4-FFF2-40B4-BE49-F238E27FC236}">
-                <a16:creationId xmlns:a16="http://schemas.microsoft.com/office/drawing/2014/main" id="{9C0F3004-0E78-3898-E53A-AB5AF6075A7F}"/>
+                <a16:creationId xmlns:a16="http://schemas.microsoft.com/office/drawing/2014/main" id="{83682770-5E0F-2B14-7741-7E233C0C4882}"/>
               </a:ext>
             </a:extLst>
           </p:cNvPr>
@@ -2357,7 +2357,7 @@
           <p:cNvPr id="5" name="日期占位符 4">
             <a:extLst>
               <a:ext uri="{FF2B5EF4-FFF2-40B4-BE49-F238E27FC236}">
-                <a16:creationId xmlns:a16="http://schemas.microsoft.com/office/drawing/2014/main" id="{C3A6F4D9-EBDC-03E4-4DAC-B8E74F9906B2}"/>
+                <a16:creationId xmlns:a16="http://schemas.microsoft.com/office/drawing/2014/main" id="{EA194AB9-305B-B3C9-5DD6-642B2EBB9E8C}"/>
               </a:ext>
             </a:extLst>
           </p:cNvPr>
@@ -2373,7 +2373,7 @@
           <a:bodyPr/>
           <a:lstStyle/>
           <a:p>
-            <a:fld id="{47C2772D-4361-4837-859A-ECB6E5BCA282}" type="datetimeFigureOut">
+            <a:fld id="{BCD6940A-A0E8-4DB9-A00E-AFDDF31F3A1F}" type="datetimeFigureOut">
               <a:rPr lang="zh-CN" altLang="en-US" smtClean="0"/>
               <a:t>2024/3/10</a:t>
             </a:fld>
@@ -2386,7 +2386,7 @@
           <p:cNvPr id="6" name="页脚占位符 5">
             <a:extLst>
               <a:ext uri="{FF2B5EF4-FFF2-40B4-BE49-F238E27FC236}">
-                <a16:creationId xmlns:a16="http://schemas.microsoft.com/office/drawing/2014/main" id="{C9C711B1-64C4-A8CD-E3CC-3D430A9FE362}"/>
+                <a16:creationId xmlns:a16="http://schemas.microsoft.com/office/drawing/2014/main" id="{45B7A11E-0C05-8887-4AA1-FFA035D0FF8F}"/>
               </a:ext>
             </a:extLst>
           </p:cNvPr>
@@ -2411,7 +2411,7 @@
           <p:cNvPr id="7" name="灯片编号占位符 6">
             <a:extLst>
               <a:ext uri="{FF2B5EF4-FFF2-40B4-BE49-F238E27FC236}">
-                <a16:creationId xmlns:a16="http://schemas.microsoft.com/office/drawing/2014/main" id="{42B0EAC2-0C7F-7DAE-8374-E2206C4008AE}"/>
+                <a16:creationId xmlns:a16="http://schemas.microsoft.com/office/drawing/2014/main" id="{B853F153-8ECB-4647-D40F-810C6DD638F9}"/>
               </a:ext>
             </a:extLst>
           </p:cNvPr>
@@ -2427,7 +2427,7 @@
           <a:bodyPr/>
           <a:lstStyle/>
           <a:p>
-            <a:fld id="{D03319E2-33EC-4D16-B0B3-4B58CFC3F638}" type="slidenum">
+            <a:fld id="{EB43083E-5A82-47E4-B739-C1E3282FA386}" type="slidenum">
               <a:rPr lang="zh-CN" altLang="en-US" smtClean="0"/>
               <a:t>‹#›</a:t>
             </a:fld>
@@ -2438,7 +2438,7 @@
     </p:spTree>
     <p:extLst>
       <p:ext uri="{BB962C8B-B14F-4D97-AF65-F5344CB8AC3E}">
-        <p14:creationId xmlns:p14="http://schemas.microsoft.com/office/powerpoint/2010/main" val="858968425"/>
+        <p14:creationId xmlns:p14="http://schemas.microsoft.com/office/powerpoint/2010/main" val="881601986"/>
       </p:ext>
     </p:extLst>
   </p:cSld>
@@ -2470,7 +2470,7 @@
           <p:cNvPr id="2" name="标题 1">
             <a:extLst>
               <a:ext uri="{FF2B5EF4-FFF2-40B4-BE49-F238E27FC236}">
-                <a16:creationId xmlns:a16="http://schemas.microsoft.com/office/drawing/2014/main" id="{FA8D0828-2E32-3C05-C666-E8878C07245B}"/>
+                <a16:creationId xmlns:a16="http://schemas.microsoft.com/office/drawing/2014/main" id="{F654D133-C077-7D27-469F-593ABAA29D5C}"/>
               </a:ext>
             </a:extLst>
           </p:cNvPr>
@@ -2507,7 +2507,7 @@
           <p:cNvPr id="3" name="图片占位符 2">
             <a:extLst>
               <a:ext uri="{FF2B5EF4-FFF2-40B4-BE49-F238E27FC236}">
-                <a16:creationId xmlns:a16="http://schemas.microsoft.com/office/drawing/2014/main" id="{984F5316-38A8-3A33-188C-3E6917DDA387}"/>
+                <a16:creationId xmlns:a16="http://schemas.microsoft.com/office/drawing/2014/main" id="{1CC0F323-6965-60F9-637C-95C7EE29B497}"/>
               </a:ext>
             </a:extLst>
           </p:cNvPr>
@@ -2574,7 +2574,7 @@
           <p:cNvPr id="4" name="文本占位符 3">
             <a:extLst>
               <a:ext uri="{FF2B5EF4-FFF2-40B4-BE49-F238E27FC236}">
-                <a16:creationId xmlns:a16="http://schemas.microsoft.com/office/drawing/2014/main" id="{338401BC-6D47-59D1-2FF2-464EA0B03AC0}"/>
+                <a16:creationId xmlns:a16="http://schemas.microsoft.com/office/drawing/2014/main" id="{5C5BB79B-B64C-9D09-95F6-71637640C3CF}"/>
               </a:ext>
             </a:extLst>
           </p:cNvPr>
@@ -2645,7 +2645,7 @@
           <p:cNvPr id="5" name="日期占位符 4">
             <a:extLst>
               <a:ext uri="{FF2B5EF4-FFF2-40B4-BE49-F238E27FC236}">
-                <a16:creationId xmlns:a16="http://schemas.microsoft.com/office/drawing/2014/main" id="{1F6A9EF1-2214-2C15-C825-27366B2252FC}"/>
+                <a16:creationId xmlns:a16="http://schemas.microsoft.com/office/drawing/2014/main" id="{0A91ADC0-0018-9A07-BEBF-65CB322E9C7B}"/>
               </a:ext>
             </a:extLst>
           </p:cNvPr>
@@ -2661,7 +2661,7 @@
           <a:bodyPr/>
           <a:lstStyle/>
           <a:p>
-            <a:fld id="{47C2772D-4361-4837-859A-ECB6E5BCA282}" type="datetimeFigureOut">
+            <a:fld id="{BCD6940A-A0E8-4DB9-A00E-AFDDF31F3A1F}" type="datetimeFigureOut">
               <a:rPr lang="zh-CN" altLang="en-US" smtClean="0"/>
               <a:t>2024/3/10</a:t>
             </a:fld>
@@ -2674,7 +2674,7 @@
           <p:cNvPr id="6" name="页脚占位符 5">
             <a:extLst>
               <a:ext uri="{FF2B5EF4-FFF2-40B4-BE49-F238E27FC236}">
-                <a16:creationId xmlns:a16="http://schemas.microsoft.com/office/drawing/2014/main" id="{5852A09E-B5D7-FCE3-3C1C-912CD60B1CD1}"/>
+                <a16:creationId xmlns:a16="http://schemas.microsoft.com/office/drawing/2014/main" id="{7C6EE5C0-2CB4-2C45-A87A-CA1F6A24FB69}"/>
               </a:ext>
             </a:extLst>
           </p:cNvPr>
@@ -2699,7 +2699,7 @@
           <p:cNvPr id="7" name="灯片编号占位符 6">
             <a:extLst>
               <a:ext uri="{FF2B5EF4-FFF2-40B4-BE49-F238E27FC236}">
-                <a16:creationId xmlns:a16="http://schemas.microsoft.com/office/drawing/2014/main" id="{57AD82A4-2D24-EB8A-09A0-66FF7C4D34C7}"/>
+                <a16:creationId xmlns:a16="http://schemas.microsoft.com/office/drawing/2014/main" id="{FF052B20-F632-B233-5106-6AF66B6BF975}"/>
               </a:ext>
             </a:extLst>
           </p:cNvPr>
@@ -2715,7 +2715,7 @@
           <a:bodyPr/>
           <a:lstStyle/>
           <a:p>
-            <a:fld id="{D03319E2-33EC-4D16-B0B3-4B58CFC3F638}" type="slidenum">
+            <a:fld id="{EB43083E-5A82-47E4-B739-C1E3282FA386}" type="slidenum">
               <a:rPr lang="zh-CN" altLang="en-US" smtClean="0"/>
               <a:t>‹#›</a:t>
             </a:fld>
@@ -2726,7 +2726,7 @@
     </p:spTree>
     <p:extLst>
       <p:ext uri="{BB962C8B-B14F-4D97-AF65-F5344CB8AC3E}">
-        <p14:creationId xmlns:p14="http://schemas.microsoft.com/office/powerpoint/2010/main" val="1161514228"/>
+        <p14:creationId xmlns:p14="http://schemas.microsoft.com/office/powerpoint/2010/main" val="3866228535"/>
       </p:ext>
     </p:extLst>
   </p:cSld>
@@ -2763,7 +2763,7 @@
           <p:cNvPr id="2" name="标题占位符 1">
             <a:extLst>
               <a:ext uri="{FF2B5EF4-FFF2-40B4-BE49-F238E27FC236}">
-                <a16:creationId xmlns:a16="http://schemas.microsoft.com/office/drawing/2014/main" id="{D11D6B89-15C7-B1A6-3FE9-7D677B03C4BB}"/>
+                <a16:creationId xmlns:a16="http://schemas.microsoft.com/office/drawing/2014/main" id="{DF1F322A-F492-6D84-4A37-ADD1E76DC928}"/>
               </a:ext>
             </a:extLst>
           </p:cNvPr>
@@ -2801,7 +2801,7 @@
           <p:cNvPr id="3" name="文本占位符 2">
             <a:extLst>
               <a:ext uri="{FF2B5EF4-FFF2-40B4-BE49-F238E27FC236}">
-                <a16:creationId xmlns:a16="http://schemas.microsoft.com/office/drawing/2014/main" id="{6C1AE65F-7D57-522B-213B-6609CE8EDB02}"/>
+                <a16:creationId xmlns:a16="http://schemas.microsoft.com/office/drawing/2014/main" id="{B4368276-A0FB-E494-5136-CB5592B8098B}"/>
               </a:ext>
             </a:extLst>
           </p:cNvPr>
@@ -2868,7 +2868,7 @@
           <p:cNvPr id="4" name="日期占位符 3">
             <a:extLst>
               <a:ext uri="{FF2B5EF4-FFF2-40B4-BE49-F238E27FC236}">
-                <a16:creationId xmlns:a16="http://schemas.microsoft.com/office/drawing/2014/main" id="{4F89F3A1-2D6D-64FE-06E6-69B86829DD32}"/>
+                <a16:creationId xmlns:a16="http://schemas.microsoft.com/office/drawing/2014/main" id="{87E960D2-5CD9-AF94-2AEA-8A6D335300C3}"/>
               </a:ext>
             </a:extLst>
           </p:cNvPr>
@@ -2902,7 +2902,7 @@
             </a:lvl1pPr>
           </a:lstStyle>
           <a:p>
-            <a:fld id="{47C2772D-4361-4837-859A-ECB6E5BCA282}" type="datetimeFigureOut">
+            <a:fld id="{BCD6940A-A0E8-4DB9-A00E-AFDDF31F3A1F}" type="datetimeFigureOut">
               <a:rPr lang="zh-CN" altLang="en-US" smtClean="0"/>
               <a:t>2024/3/10</a:t>
             </a:fld>
@@ -2915,7 +2915,7 @@
           <p:cNvPr id="5" name="页脚占位符 4">
             <a:extLst>
               <a:ext uri="{FF2B5EF4-FFF2-40B4-BE49-F238E27FC236}">
-                <a16:creationId xmlns:a16="http://schemas.microsoft.com/office/drawing/2014/main" id="{1C079846-B7EF-E2A3-94DB-AF09465DF022}"/>
+                <a16:creationId xmlns:a16="http://schemas.microsoft.com/office/drawing/2014/main" id="{3546158B-13A6-90D5-2843-41B83473A3BC}"/>
               </a:ext>
             </a:extLst>
           </p:cNvPr>
@@ -2958,7 +2958,7 @@
           <p:cNvPr id="6" name="灯片编号占位符 5">
             <a:extLst>
               <a:ext uri="{FF2B5EF4-FFF2-40B4-BE49-F238E27FC236}">
-                <a16:creationId xmlns:a16="http://schemas.microsoft.com/office/drawing/2014/main" id="{6D561CE8-E7D5-7E5F-C3FC-6626798EECFE}"/>
+                <a16:creationId xmlns:a16="http://schemas.microsoft.com/office/drawing/2014/main" id="{F73BE852-F7FA-88A5-9280-2A92B5CB9548}"/>
               </a:ext>
             </a:extLst>
           </p:cNvPr>
@@ -2992,7 +2992,7 @@
             </a:lvl1pPr>
           </a:lstStyle>
           <a:p>
-            <a:fld id="{D03319E2-33EC-4D16-B0B3-4B58CFC3F638}" type="slidenum">
+            <a:fld id="{EB43083E-5A82-47E4-B739-C1E3282FA386}" type="slidenum">
               <a:rPr lang="zh-CN" altLang="en-US" smtClean="0"/>
               <a:t>‹#›</a:t>
             </a:fld>
@@ -3003,7 +3003,7 @@
     </p:spTree>
     <p:extLst>
       <p:ext uri="{BB962C8B-B14F-4D97-AF65-F5344CB8AC3E}">
-        <p14:creationId xmlns:p14="http://schemas.microsoft.com/office/powerpoint/2010/main" val="2685267620"/>
+        <p14:creationId xmlns:p14="http://schemas.microsoft.com/office/powerpoint/2010/main" val="406313000"/>
       </p:ext>
     </p:extLst>
   </p:cSld>
@@ -3323,7 +3323,7 @@
       </p:grpSpPr>
       <p:pic>
         <p:nvPicPr>
-          <p:cNvPr id="1077250" name="Picture 2" descr="1051"/>
+          <p:cNvPr id="1078274" name="Picture 2" descr="1052"/>
           <p:cNvPicPr>
             <a:picLocks noChangeAspect="1" noChangeArrowheads="1"/>
           </p:cNvPicPr>
@@ -3344,8 +3344,8 @@
         </p:blipFill>
         <p:spPr bwMode="auto">
           <a:xfrm>
-            <a:off x="1551352" y="1"/>
-            <a:ext cx="9089295" cy="6857999"/>
+            <a:off x="1524000" y="1"/>
+            <a:ext cx="9144000" cy="6092825"/>
           </a:xfrm>
           <a:prstGeom prst="rect">
             <a:avLst/>
